--- a/Udemy/Lecture 1 - Application Design/_05_ApplicationDesign-Step3_Screen.pptx
+++ b/Udemy/Lecture 1 - Application Design/_05_ApplicationDesign-Step3_Screen.pptx
@@ -308,7 +308,7 @@
           <a:p>
             <a:fld id="{D2BDCC73-4DDF-49AB-AEE1-BCC66D6EB140}" type="datetimeFigureOut">
               <a:rPr lang="en-GB" smtClean="0"/>
-              <a:t>08/12/2018</a:t>
+              <a:t>28/07/2019</a:t>
             </a:fld>
             <a:endParaRPr lang="en-GB" dirty="0"/>
           </a:p>
@@ -518,7 +518,7 @@
           <a:p>
             <a:fld id="{D2BDCC73-4DDF-49AB-AEE1-BCC66D6EB140}" type="datetimeFigureOut">
               <a:rPr lang="en-GB" smtClean="0"/>
-              <a:t>08/12/2018</a:t>
+              <a:t>28/07/2019</a:t>
             </a:fld>
             <a:endParaRPr lang="en-GB" dirty="0"/>
           </a:p>
@@ -722,7 +722,7 @@
           <a:p>
             <a:fld id="{D2BDCC73-4DDF-49AB-AEE1-BCC66D6EB140}" type="datetimeFigureOut">
               <a:rPr lang="en-GB" smtClean="0"/>
-              <a:t>08/12/2018</a:t>
+              <a:t>28/07/2019</a:t>
             </a:fld>
             <a:endParaRPr lang="en-GB" dirty="0"/>
           </a:p>
@@ -836,42 +836,78 @@
         <p:spPr/>
         <p:txBody>
           <a:bodyPr/>
-          <a:lstStyle/>
+          <a:lstStyle>
+            <a:lvl1pPr marL="228600" indent="-228600">
+              <a:buFontTx/>
+              <a:buBlip>
+                <a:blip r:embed="rId2"/>
+              </a:buBlip>
+              <a:defRPr/>
+            </a:lvl1pPr>
+            <a:lvl2pPr marL="685800" indent="-228600">
+              <a:buFontTx/>
+              <a:buBlip>
+                <a:blip r:embed="rId2"/>
+              </a:buBlip>
+              <a:defRPr/>
+            </a:lvl2pPr>
+            <a:lvl3pPr marL="1143000" indent="-228600">
+              <a:buFontTx/>
+              <a:buBlip>
+                <a:blip r:embed="rId2"/>
+              </a:buBlip>
+              <a:defRPr/>
+            </a:lvl3pPr>
+            <a:lvl4pPr marL="1714500" indent="-342900">
+              <a:buFontTx/>
+              <a:buBlip>
+                <a:blip r:embed="rId2"/>
+              </a:buBlip>
+              <a:defRPr/>
+            </a:lvl4pPr>
+            <a:lvl5pPr marL="2057400" indent="-228600">
+              <a:buFontTx/>
+              <a:buBlip>
+                <a:blip r:embed="rId2"/>
+              </a:buBlip>
+              <a:defRPr/>
+            </a:lvl5pPr>
+          </a:lstStyle>
           <a:p>
             <a:pPr lvl="0"/>
             <a:r>
-              <a:rPr lang="en-US"/>
+              <a:rPr lang="en-US" dirty="0"/>
               <a:t>Click to edit Master text styles</a:t>
             </a:r>
           </a:p>
           <a:p>
             <a:pPr lvl="1"/>
             <a:r>
-              <a:rPr lang="en-US"/>
+              <a:rPr lang="en-US" dirty="0"/>
               <a:t>Second level</a:t>
             </a:r>
           </a:p>
           <a:p>
             <a:pPr lvl="2"/>
             <a:r>
-              <a:rPr lang="en-US"/>
+              <a:rPr lang="en-US" dirty="0"/>
               <a:t>Third level</a:t>
             </a:r>
           </a:p>
           <a:p>
             <a:pPr lvl="3"/>
             <a:r>
-              <a:rPr lang="en-US"/>
+              <a:rPr lang="en-US" dirty="0"/>
               <a:t>Fourth level</a:t>
             </a:r>
           </a:p>
           <a:p>
             <a:pPr lvl="4"/>
             <a:r>
-              <a:rPr lang="en-US"/>
+              <a:rPr lang="en-US" dirty="0"/>
               <a:t>Fifth level</a:t>
             </a:r>
-            <a:endParaRPr lang="en-GB"/>
+            <a:endParaRPr lang="en-GB" dirty="0"/>
           </a:p>
         </p:txBody>
       </p:sp>
@@ -892,7 +928,7 @@
           <a:p>
             <a:fld id="{D2BDCC73-4DDF-49AB-AEE1-BCC66D6EB140}" type="datetimeFigureOut">
               <a:rPr lang="en-GB" smtClean="0"/>
-              <a:t>08/12/2018</a:t>
+              <a:t>28/07/2019</a:t>
             </a:fld>
             <a:endParaRPr lang="en-GB" dirty="0"/>
           </a:p>
@@ -1142,7 +1178,7 @@
           <a:p>
             <a:fld id="{D2BDCC73-4DDF-49AB-AEE1-BCC66D6EB140}" type="datetimeFigureOut">
               <a:rPr lang="en-GB" smtClean="0"/>
-              <a:t>08/12/2018</a:t>
+              <a:t>28/07/2019</a:t>
             </a:fld>
             <a:endParaRPr lang="en-GB" dirty="0"/>
           </a:p>
@@ -1374,7 +1410,7 @@
           <a:p>
             <a:fld id="{D2BDCC73-4DDF-49AB-AEE1-BCC66D6EB140}" type="datetimeFigureOut">
               <a:rPr lang="en-GB" smtClean="0"/>
-              <a:t>08/12/2018</a:t>
+              <a:t>28/07/2019</a:t>
             </a:fld>
             <a:endParaRPr lang="en-GB" dirty="0"/>
           </a:p>
@@ -1743,7 +1779,7 @@
           <a:p>
             <a:fld id="{D2BDCC73-4DDF-49AB-AEE1-BCC66D6EB140}" type="datetimeFigureOut">
               <a:rPr lang="en-GB" smtClean="0"/>
-              <a:t>08/12/2018</a:t>
+              <a:t>28/07/2019</a:t>
             </a:fld>
             <a:endParaRPr lang="en-GB" dirty="0"/>
           </a:p>
@@ -1861,7 +1897,7 @@
           <a:p>
             <a:fld id="{D2BDCC73-4DDF-49AB-AEE1-BCC66D6EB140}" type="datetimeFigureOut">
               <a:rPr lang="en-GB" smtClean="0"/>
-              <a:t>08/12/2018</a:t>
+              <a:t>28/07/2019</a:t>
             </a:fld>
             <a:endParaRPr lang="en-GB" dirty="0"/>
           </a:p>
@@ -1956,7 +1992,7 @@
           <a:p>
             <a:fld id="{D2BDCC73-4DDF-49AB-AEE1-BCC66D6EB140}" type="datetimeFigureOut">
               <a:rPr lang="en-GB" smtClean="0"/>
-              <a:t>08/12/2018</a:t>
+              <a:t>28/07/2019</a:t>
             </a:fld>
             <a:endParaRPr lang="en-GB" dirty="0"/>
           </a:p>
@@ -2237,7 +2273,7 @@
           <a:p>
             <a:fld id="{D2BDCC73-4DDF-49AB-AEE1-BCC66D6EB140}" type="datetimeFigureOut">
               <a:rPr lang="en-GB" smtClean="0"/>
-              <a:t>08/12/2018</a:t>
+              <a:t>28/07/2019</a:t>
             </a:fld>
             <a:endParaRPr lang="en-GB" dirty="0"/>
           </a:p>
@@ -2492,7 +2528,7 @@
           <a:p>
             <a:fld id="{D2BDCC73-4DDF-49AB-AEE1-BCC66D6EB140}" type="datetimeFigureOut">
               <a:rPr lang="en-GB" smtClean="0"/>
-              <a:t>08/12/2018</a:t>
+              <a:t>28/07/2019</a:t>
             </a:fld>
             <a:endParaRPr lang="en-GB" dirty="0"/>
           </a:p>
@@ -2751,7 +2787,7 @@
           <a:p>
             <a:fld id="{D2BDCC73-4DDF-49AB-AEE1-BCC66D6EB140}" type="datetimeFigureOut">
               <a:rPr lang="en-GB" smtClean="0"/>
-              <a:t>08/12/2018</a:t>
+              <a:t>28/07/2019</a:t>
             </a:fld>
             <a:endParaRPr lang="en-GB" dirty="0"/>
           </a:p>
@@ -3710,7 +3746,7 @@
             <a:r>
               <a:rPr lang="en-US" kern="1200" dirty="0">
                 <a:solidFill>
-                  <a:srgbClr val="CACF0B"/>
+                  <a:schemeClr val="accent2"/>
                 </a:solidFill>
                 <a:latin typeface="+mn-lt"/>
                 <a:ea typeface="+mn-ea"/>
@@ -4317,16 +4353,12 @@
           <a:lstStyle/>
           <a:p>
             <a:r>
-              <a:rPr lang="en-US" sz="4000" kern="1200" dirty="0"/>
-              <a:t>Step 3 </a:t>
-            </a:r>
-            <a:r>
               <a:rPr lang="en-US" sz="4000" kern="1200" dirty="0">
                 <a:solidFill>
-                  <a:schemeClr val="tx1"/>
+                  <a:schemeClr val="accent2"/>
                 </a:solidFill>
               </a:rPr>
-              <a:t> </a:t>
+              <a:t>Step 3  </a:t>
             </a:r>
             <a:r>
               <a:rPr lang="en-GB" sz="4000" dirty="0">
@@ -4375,6 +4407,9 @@
           <a:p>
             <a:pPr>
               <a:buSzPct val="100000"/>
+              <a:buBlip>
+                <a:blip r:embed="rId2"/>
+              </a:buBlip>
             </a:pPr>
             <a:r>
               <a:rPr lang="en-GB" dirty="0">
@@ -4387,7 +4422,7 @@
             <a:r>
               <a:rPr lang="en-GB" dirty="0">
                 <a:solidFill>
-                  <a:srgbClr val="CACF0B"/>
+                  <a:schemeClr val="accent2"/>
                 </a:solidFill>
               </a:rPr>
               <a:t>stakeholder</a:t>
@@ -4404,6 +4439,9 @@
           <a:p>
             <a:pPr lvl="1">
               <a:buSzPct val="100000"/>
+              <a:buBlip>
+                <a:blip r:embed="rId2"/>
+              </a:buBlip>
             </a:pPr>
             <a:r>
               <a:rPr lang="en-GB" dirty="0">
@@ -4417,6 +4455,9 @@
           <a:p>
             <a:pPr lvl="1">
               <a:buSzPct val="100000"/>
+              <a:buBlip>
+                <a:blip r:embed="rId2"/>
+              </a:buBlip>
             </a:pPr>
             <a:r>
               <a:rPr lang="en-GB" dirty="0">
@@ -4430,6 +4471,9 @@
           <a:p>
             <a:pPr lvl="1">
               <a:buSzPct val="100000"/>
+              <a:buBlip>
+                <a:blip r:embed="rId2"/>
+              </a:buBlip>
             </a:pPr>
             <a:r>
               <a:rPr lang="en-GB" dirty="0">
@@ -4443,6 +4487,9 @@
           <a:p>
             <a:pPr lvl="1">
               <a:buSzPct val="100000"/>
+              <a:buBlip>
+                <a:blip r:embed="rId2"/>
+              </a:buBlip>
             </a:pPr>
             <a:r>
               <a:rPr lang="en-GB" dirty="0">
@@ -4456,6 +4503,9 @@
           <a:p>
             <a:pPr lvl="1">
               <a:buSzPct val="100000"/>
+              <a:buBlip>
+                <a:blip r:embed="rId2"/>
+              </a:buBlip>
             </a:pPr>
             <a:r>
               <a:rPr lang="en-GB" dirty="0">
@@ -4484,6 +4534,9 @@
           <a:p>
             <a:pPr>
               <a:buSzPct val="100000"/>
+              <a:buBlip>
+                <a:blip r:embed="rId2"/>
+              </a:buBlip>
             </a:pPr>
             <a:r>
               <a:rPr lang="en-GB" dirty="0">
@@ -4497,6 +4550,9 @@
           <a:p>
             <a:pPr>
               <a:buSzPct val="100000"/>
+              <a:buBlip>
+                <a:blip r:embed="rId2"/>
+              </a:buBlip>
             </a:pPr>
             <a:r>
               <a:rPr lang="en-GB" dirty="0">
@@ -4510,6 +4566,9 @@
           <a:p>
             <a:pPr lvl="1">
               <a:buSzPct val="100000"/>
+              <a:buBlip>
+                <a:blip r:embed="rId2"/>
+              </a:buBlip>
             </a:pPr>
             <a:r>
               <a:rPr lang="en-GB" dirty="0">
@@ -4552,7 +4611,7 @@
           <p:nvPr/>
         </p:nvPicPr>
         <p:blipFill>
-          <a:blip r:embed="rId2">
+          <a:blip r:embed="rId3">
             <a:extLst>
               <a:ext uri="{28A0092B-C50C-407E-A947-70E740481C1C}">
                 <a14:useLocalDpi xmlns:a14="http://schemas.microsoft.com/office/drawing/2010/main" val="0"/>
@@ -5298,14 +5357,12 @@
             <a:ext cx="3698803" cy="1366528"/>
           </a:xfrm>
           <a:solidFill>
-            <a:schemeClr val="bg1">
+            <a:schemeClr val="tx1">
               <a:alpha val="50000"/>
             </a:schemeClr>
           </a:solidFill>
           <a:ln w="25400" cap="sq">
-            <a:solidFill>
-              <a:schemeClr val="tx1"/>
-            </a:solidFill>
+            <a:noFill/>
             <a:miter lim="800000"/>
           </a:ln>
         </p:spPr>
@@ -5319,14 +5376,14 @@
             <a:r>
               <a:rPr lang="en-GB" sz="1800" dirty="0">
                 <a:solidFill>
-                  <a:schemeClr val="tx1"/>
+                  <a:schemeClr val="accent2"/>
                 </a:solidFill>
               </a:rPr>
               <a:t>CHALLENGE TIME!</a:t>
             </a:r>
             <a:endParaRPr lang="en-GB" dirty="0">
               <a:solidFill>
-                <a:schemeClr val="tx1"/>
+                <a:schemeClr val="accent2"/>
               </a:solidFill>
             </a:endParaRPr>
           </a:p>
@@ -6057,16 +6114,12 @@
           <a:lstStyle/>
           <a:p>
             <a:r>
-              <a:rPr lang="en-US" sz="4000" kern="1200" dirty="0"/>
-              <a:t>Step 3 </a:t>
-            </a:r>
-            <a:r>
               <a:rPr lang="en-US" sz="4000" kern="1200" dirty="0">
                 <a:solidFill>
-                  <a:schemeClr val="tx1"/>
+                  <a:schemeClr val="accent2"/>
                 </a:solidFill>
               </a:rPr>
-              <a:t> </a:t>
+              <a:t>Step 3  </a:t>
             </a:r>
             <a:r>
               <a:rPr lang="en-GB" sz="4000" dirty="0">
@@ -6115,6 +6168,9 @@
           <a:p>
             <a:pPr>
               <a:buSzPct val="100000"/>
+              <a:buBlip>
+                <a:blip r:embed="rId2"/>
+              </a:buBlip>
             </a:pPr>
             <a:r>
               <a:rPr lang="en-GB" dirty="0">
@@ -6127,10 +6183,18 @@
             <a:r>
               <a:rPr lang="en-GB" dirty="0">
                 <a:solidFill>
+                  <a:schemeClr val="accent2"/>
+                </a:solidFill>
+              </a:rPr>
+              <a:t>stakeholders</a:t>
+            </a:r>
+            <a:r>
+              <a:rPr lang="en-GB" dirty="0">
+                <a:solidFill>
                   <a:srgbClr val="CACF0B"/>
                 </a:solidFill>
               </a:rPr>
-              <a:t>stakeholders </a:t>
+              <a:t> </a:t>
             </a:r>
             <a:r>
               <a:rPr lang="en-GB" dirty="0">
@@ -6144,11 +6208,14 @@
           <a:p>
             <a:pPr lvl="1">
               <a:buSzPct val="100000"/>
+              <a:buBlip>
+                <a:blip r:embed="rId2"/>
+              </a:buBlip>
             </a:pPr>
             <a:r>
               <a:rPr lang="en-GB" dirty="0">
                 <a:solidFill>
-                  <a:srgbClr val="CACF0B"/>
+                  <a:schemeClr val="accent2"/>
                 </a:solidFill>
               </a:rPr>
               <a:t>Users</a:t>
@@ -6157,11 +6224,14 @@
           <a:p>
             <a:pPr lvl="1">
               <a:buSzPct val="100000"/>
+              <a:buBlip>
+                <a:blip r:embed="rId2"/>
+              </a:buBlip>
             </a:pPr>
             <a:r>
               <a:rPr lang="en-GB" dirty="0">
                 <a:solidFill>
-                  <a:srgbClr val="CACF0B"/>
+                  <a:schemeClr val="accent2"/>
                 </a:solidFill>
               </a:rPr>
               <a:t>Delivery drivers</a:t>
@@ -6170,11 +6240,14 @@
           <a:p>
             <a:pPr lvl="1">
               <a:buSzPct val="100000"/>
+              <a:buBlip>
+                <a:blip r:embed="rId2"/>
+              </a:buBlip>
             </a:pPr>
             <a:r>
               <a:rPr lang="en-GB" dirty="0">
                 <a:solidFill>
-                  <a:srgbClr val="CACF0B"/>
+                  <a:schemeClr val="accent2"/>
                 </a:solidFill>
               </a:rPr>
               <a:t>Retailers</a:t>
@@ -6183,11 +6256,14 @@
           <a:p>
             <a:pPr lvl="1">
               <a:buSzPct val="100000"/>
+              <a:buBlip>
+                <a:blip r:embed="rId2"/>
+              </a:buBlip>
             </a:pPr>
             <a:r>
               <a:rPr lang="en-GB" dirty="0">
                 <a:solidFill>
-                  <a:srgbClr val="CACF0B"/>
+                  <a:schemeClr val="accent2"/>
                 </a:solidFill>
               </a:rPr>
               <a:t>Retailers customers</a:t>
@@ -6196,11 +6272,14 @@
           <a:p>
             <a:pPr lvl="1">
               <a:buSzPct val="100000"/>
+              <a:buBlip>
+                <a:blip r:embed="rId2"/>
+              </a:buBlip>
             </a:pPr>
             <a:r>
               <a:rPr lang="en-GB" dirty="0">
                 <a:solidFill>
-                  <a:srgbClr val="CACF0B"/>
+                  <a:schemeClr val="accent2"/>
                 </a:solidFill>
               </a:rPr>
               <a:t>Studio (Investors)</a:t>
@@ -6209,6 +6288,9 @@
           <a:p>
             <a:pPr>
               <a:buSzPct val="100000"/>
+              <a:buBlip>
+                <a:blip r:embed="rId2"/>
+              </a:buBlip>
             </a:pPr>
             <a:r>
               <a:rPr lang="en-GB" dirty="0">
@@ -6222,6 +6304,9 @@
           <a:p>
             <a:pPr lvl="1">
               <a:buSzPct val="100000"/>
+              <a:buBlip>
+                <a:blip r:embed="rId2"/>
+              </a:buBlip>
             </a:pPr>
             <a:r>
               <a:rPr lang="en-GB" dirty="0">
@@ -6235,6 +6320,9 @@
           <a:p>
             <a:pPr lvl="1">
               <a:buSzPct val="100000"/>
+              <a:buBlip>
+                <a:blip r:embed="rId2"/>
+              </a:buBlip>
             </a:pPr>
             <a:r>
               <a:rPr lang="en-GB" dirty="0">
@@ -6262,7 +6350,7 @@
           <p:nvPr/>
         </p:nvPicPr>
         <p:blipFill>
-          <a:blip r:embed="rId2">
+          <a:blip r:embed="rId3">
             <a:extLst>
               <a:ext uri="{28A0092B-C50C-407E-A947-70E740481C1C}">
                 <a14:useLocalDpi xmlns:a14="http://schemas.microsoft.com/office/drawing/2010/main" val="0"/>
@@ -6885,7 +6973,7 @@
 <file path=ppt/theme/theme1.xml><?xml version="1.0" encoding="utf-8"?>
 <a:theme xmlns:a="http://schemas.openxmlformats.org/drawingml/2006/main" name="Office Theme">
   <a:themeElements>
-    <a:clrScheme name="Office">
+    <a:clrScheme name="Red Orange">
       <a:dk1>
         <a:sysClr val="windowText" lastClr="000000"/>
       </a:dk1>
@@ -6893,34 +6981,34 @@
         <a:sysClr val="window" lastClr="FFFFFF"/>
       </a:lt1>
       <a:dk2>
-        <a:srgbClr val="44546A"/>
+        <a:srgbClr val="505046"/>
       </a:dk2>
       <a:lt2>
-        <a:srgbClr val="E7E6E6"/>
+        <a:srgbClr val="EEECE1"/>
       </a:lt2>
       <a:accent1>
-        <a:srgbClr val="5B9BD5"/>
+        <a:srgbClr val="E84C22"/>
       </a:accent1>
       <a:accent2>
-        <a:srgbClr val="ED7D31"/>
+        <a:srgbClr val="FFBD47"/>
       </a:accent2>
       <a:accent3>
-        <a:srgbClr val="A5A5A5"/>
+        <a:srgbClr val="B64926"/>
       </a:accent3>
       <a:accent4>
-        <a:srgbClr val="FFC000"/>
+        <a:srgbClr val="FF8427"/>
       </a:accent4>
       <a:accent5>
-        <a:srgbClr val="4472C4"/>
+        <a:srgbClr val="CC9900"/>
       </a:accent5>
       <a:accent6>
-        <a:srgbClr val="70AD47"/>
+        <a:srgbClr val="B22600"/>
       </a:accent6>
       <a:hlink>
-        <a:srgbClr val="0563C1"/>
+        <a:srgbClr val="CC9900"/>
       </a:hlink>
       <a:folHlink>
-        <a:srgbClr val="954F72"/>
+        <a:srgbClr val="666699"/>
       </a:folHlink>
     </a:clrScheme>
     <a:fontScheme name="Office">
